--- a/revival_realm/sample_assets.pptx
+++ b/revival_realm/sample_assets.pptx
@@ -107,6 +107,11 @@
       </a:defRPr>
     </a:lvl9pPr>
   </p:defaultTextStyle>
+  <p:extLst>
+    <p:ext uri="{EFAFB233-063F-42B5-8137-9DF3F51BA10A}">
+      <p15:sldGuideLst xmlns:p15="http://schemas.microsoft.com/office/powerpoint/2012/main"/>
+    </p:ext>
+  </p:extLst>
 </p:presentation>
 </file>
 
@@ -192,7 +197,7 @@
           <a:p>
             <a:fld id="{81B5C145-DBB5-D847-B85C-004B271C7F10}" type="datetimeFigureOut">
               <a:rPr lang="en-US" smtClean="0"/>
-              <a:t>2/1/24</a:t>
+              <a:t>2/3/24</a:t>
             </a:fld>
             <a:endParaRPr lang="en-US"/>
           </a:p>
@@ -693,7 +698,7 @@
           <a:p>
             <a:fld id="{AA9F2010-98F6-4F4F-966D-2AA88B4586AE}" type="datetimeFigureOut">
               <a:rPr lang="en-US" smtClean="0"/>
-              <a:t>2/1/24</a:t>
+              <a:t>2/3/24</a:t>
             </a:fld>
             <a:endParaRPr lang="en-US"/>
           </a:p>
@@ -893,7 +898,7 @@
           <a:p>
             <a:fld id="{AA9F2010-98F6-4F4F-966D-2AA88B4586AE}" type="datetimeFigureOut">
               <a:rPr lang="en-US" smtClean="0"/>
-              <a:t>2/1/24</a:t>
+              <a:t>2/3/24</a:t>
             </a:fld>
             <a:endParaRPr lang="en-US"/>
           </a:p>
@@ -1103,7 +1108,7 @@
           <a:p>
             <a:fld id="{AA9F2010-98F6-4F4F-966D-2AA88B4586AE}" type="datetimeFigureOut">
               <a:rPr lang="en-US" smtClean="0"/>
-              <a:t>2/1/24</a:t>
+              <a:t>2/3/24</a:t>
             </a:fld>
             <a:endParaRPr lang="en-US"/>
           </a:p>
@@ -1303,7 +1308,7 @@
           <a:p>
             <a:fld id="{AA9F2010-98F6-4F4F-966D-2AA88B4586AE}" type="datetimeFigureOut">
               <a:rPr lang="en-US" smtClean="0"/>
-              <a:t>2/1/24</a:t>
+              <a:t>2/3/24</a:t>
             </a:fld>
             <a:endParaRPr lang="en-US"/>
           </a:p>
@@ -1579,7 +1584,7 @@
           <a:p>
             <a:fld id="{AA9F2010-98F6-4F4F-966D-2AA88B4586AE}" type="datetimeFigureOut">
               <a:rPr lang="en-US" smtClean="0"/>
-              <a:t>2/1/24</a:t>
+              <a:t>2/3/24</a:t>
             </a:fld>
             <a:endParaRPr lang="en-US"/>
           </a:p>
@@ -1847,7 +1852,7 @@
           <a:p>
             <a:fld id="{AA9F2010-98F6-4F4F-966D-2AA88B4586AE}" type="datetimeFigureOut">
               <a:rPr lang="en-US" smtClean="0"/>
-              <a:t>2/1/24</a:t>
+              <a:t>2/3/24</a:t>
             </a:fld>
             <a:endParaRPr lang="en-US"/>
           </a:p>
@@ -2262,7 +2267,7 @@
           <a:p>
             <a:fld id="{AA9F2010-98F6-4F4F-966D-2AA88B4586AE}" type="datetimeFigureOut">
               <a:rPr lang="en-US" smtClean="0"/>
-              <a:t>2/1/24</a:t>
+              <a:t>2/3/24</a:t>
             </a:fld>
             <a:endParaRPr lang="en-US"/>
           </a:p>
@@ -2404,7 +2409,7 @@
           <a:p>
             <a:fld id="{AA9F2010-98F6-4F4F-966D-2AA88B4586AE}" type="datetimeFigureOut">
               <a:rPr lang="en-US" smtClean="0"/>
-              <a:t>2/1/24</a:t>
+              <a:t>2/3/24</a:t>
             </a:fld>
             <a:endParaRPr lang="en-US"/>
           </a:p>
@@ -2517,7 +2522,7 @@
           <a:p>
             <a:fld id="{AA9F2010-98F6-4F4F-966D-2AA88B4586AE}" type="datetimeFigureOut">
               <a:rPr lang="en-US" smtClean="0"/>
-              <a:t>2/1/24</a:t>
+              <a:t>2/3/24</a:t>
             </a:fld>
             <a:endParaRPr lang="en-US"/>
           </a:p>
@@ -2830,7 +2835,7 @@
           <a:p>
             <a:fld id="{AA9F2010-98F6-4F4F-966D-2AA88B4586AE}" type="datetimeFigureOut">
               <a:rPr lang="en-US" smtClean="0"/>
-              <a:t>2/1/24</a:t>
+              <a:t>2/3/24</a:t>
             </a:fld>
             <a:endParaRPr lang="en-US"/>
           </a:p>
@@ -3119,7 +3124,7 @@
           <a:p>
             <a:fld id="{AA9F2010-98F6-4F4F-966D-2AA88B4586AE}" type="datetimeFigureOut">
               <a:rPr lang="en-US" smtClean="0"/>
-              <a:t>2/1/24</a:t>
+              <a:t>2/3/24</a:t>
             </a:fld>
             <a:endParaRPr lang="en-US"/>
           </a:p>
@@ -3362,7 +3367,7 @@
           <a:p>
             <a:fld id="{AA9F2010-98F6-4F4F-966D-2AA88B4586AE}" type="datetimeFigureOut">
               <a:rPr lang="en-US" smtClean="0"/>
-              <a:t>2/1/24</a:t>
+              <a:t>2/3/24</a:t>
             </a:fld>
             <a:endParaRPr lang="en-US"/>
           </a:p>
@@ -3793,7 +3798,7 @@
         </p:nvGrpSpPr>
         <p:grpSpPr>
           <a:xfrm rot="16200000">
-            <a:off x="836945" y="1667046"/>
+            <a:off x="849765" y="1362072"/>
             <a:ext cx="598714" cy="1197428"/>
             <a:chOff x="1153886" y="1349829"/>
             <a:chExt cx="598714" cy="1197428"/>
@@ -3912,14 +3917,14 @@
         </p:nvSpPr>
         <p:spPr>
           <a:xfrm>
-            <a:off x="550408" y="665620"/>
-            <a:ext cx="598714" cy="598714"/>
+            <a:off x="550407" y="665619"/>
+            <a:ext cx="4786361" cy="4786361"/>
           </a:xfrm>
           <a:prstGeom prst="rect">
             <a:avLst/>
           </a:prstGeom>
           <a:solidFill>
-            <a:srgbClr val="FF0000"/>
+            <a:schemeClr val="accent6"/>
           </a:solidFill>
         </p:spPr>
         <p:style>
@@ -3961,7 +3966,7 @@
         </p:nvGrpSpPr>
         <p:grpSpPr>
           <a:xfrm rot="16200000">
-            <a:off x="1074352" y="2470775"/>
+            <a:off x="1058257" y="1960786"/>
             <a:ext cx="598714" cy="1796142"/>
             <a:chOff x="3276600" y="1344386"/>
             <a:chExt cx="598714" cy="1796142"/>
@@ -4129,7 +4134,7 @@
         </p:nvGrpSpPr>
         <p:grpSpPr>
           <a:xfrm>
-            <a:off x="3302867" y="774418"/>
+            <a:off x="3431069" y="1126302"/>
             <a:ext cx="1197427" cy="1191985"/>
             <a:chOff x="3161796" y="754024"/>
             <a:chExt cx="1197427" cy="1191985"/>
@@ -4223,7 +4228,7 @@
             <a:lstStyle/>
             <a:p>
               <a:pPr algn="ctr"/>
-              <a:endParaRPr lang="en-US"/>
+              <a:endParaRPr lang="en-US" dirty="0"/>
             </a:p>
           </p:txBody>
         </p:sp>
@@ -4334,7 +4339,7 @@
         </p:nvGrpSpPr>
         <p:grpSpPr>
           <a:xfrm>
-            <a:off x="510612" y="3984654"/>
+            <a:off x="502565" y="3610645"/>
             <a:ext cx="1197428" cy="1197428"/>
             <a:chOff x="4996013" y="782432"/>
             <a:chExt cx="1197428" cy="1197428"/>
@@ -4502,7 +4507,7 @@
         </p:nvGrpSpPr>
         <p:grpSpPr>
           <a:xfrm>
-            <a:off x="3302866" y="5943970"/>
+            <a:off x="3443642" y="271517"/>
             <a:ext cx="2394856" cy="598714"/>
             <a:chOff x="1326969" y="3820886"/>
             <a:chExt cx="2394856" cy="598714"/>
@@ -4719,7 +4724,7 @@
         </p:nvGrpSpPr>
         <p:grpSpPr>
           <a:xfrm>
-            <a:off x="6715285" y="665620"/>
+            <a:off x="6690880" y="458569"/>
             <a:ext cx="1377155" cy="1787977"/>
             <a:chOff x="8968067" y="560614"/>
             <a:chExt cx="1197427" cy="1787977"/>
@@ -4985,7 +4990,7 @@
         </p:nvGrpSpPr>
         <p:grpSpPr>
           <a:xfrm>
-            <a:off x="3308962" y="4449077"/>
+            <a:off x="3121271" y="4808073"/>
             <a:ext cx="1796142" cy="1196483"/>
             <a:chOff x="6660801" y="859971"/>
             <a:chExt cx="1796142" cy="1196483"/>
@@ -5223,7 +5228,7 @@
         </p:nvGrpSpPr>
         <p:grpSpPr>
           <a:xfrm>
-            <a:off x="3539156" y="2470775"/>
+            <a:off x="3338408" y="2652462"/>
             <a:ext cx="1197428" cy="1796142"/>
             <a:chOff x="4013228" y="2231572"/>
             <a:chExt cx="1197428" cy="1796142"/>
@@ -5461,7 +5466,7 @@
         </p:nvGrpSpPr>
         <p:grpSpPr>
           <a:xfrm>
-            <a:off x="9262479" y="3850835"/>
+            <a:off x="9294579" y="3183394"/>
             <a:ext cx="1796142" cy="1795198"/>
             <a:chOff x="6347717" y="2831230"/>
             <a:chExt cx="1796142" cy="1795198"/>
@@ -5959,7 +5964,7 @@
         </p:nvGrpSpPr>
         <p:grpSpPr>
           <a:xfrm>
-            <a:off x="6498318" y="2690320"/>
+            <a:off x="6454126" y="2690075"/>
             <a:ext cx="1800754" cy="1796142"/>
             <a:chOff x="7988650" y="2565117"/>
             <a:chExt cx="1800754" cy="1796142"/>
@@ -6267,7 +6272,7 @@
         </p:nvGrpSpPr>
         <p:grpSpPr>
           <a:xfrm>
-            <a:off x="9099669" y="1065088"/>
+            <a:off x="9129911" y="465891"/>
             <a:ext cx="1796142" cy="1794252"/>
             <a:chOff x="9909047" y="4614053"/>
             <a:chExt cx="1796142" cy="1794252"/>
@@ -6560,7 +6565,7 @@
         </p:nvGrpSpPr>
         <p:grpSpPr>
           <a:xfrm>
-            <a:off x="6780744" y="4706007"/>
+            <a:off x="6376468" y="4679235"/>
             <a:ext cx="1197428" cy="1797603"/>
             <a:chOff x="3776332" y="4620768"/>
             <a:chExt cx="1197428" cy="1797603"/>

--- a/revival_realm/sample_assets.pptx
+++ b/revival_realm/sample_assets.pptx
@@ -5,10 +5,11 @@
     <p:sldMasterId id="2147483648" r:id="rId1"/>
   </p:sldMasterIdLst>
   <p:notesMasterIdLst>
-    <p:notesMasterId r:id="rId3"/>
+    <p:notesMasterId r:id="rId4"/>
   </p:notesMasterIdLst>
   <p:sldIdLst>
     <p:sldId id="256" r:id="rId2"/>
+    <p:sldId id="257" r:id="rId3"/>
   </p:sldIdLst>
   <p:sldSz cx="12192000" cy="6858000"/>
   <p:notesSz cx="6858000" cy="9144000"/>
@@ -6859,10 +6860,126 @@
           </p:txBody>
         </p:sp>
       </p:grpSp>
+      <p:pic>
+        <p:nvPicPr>
+          <p:cNvPr id="85" name="Picture 84">
+            <a:extLst>
+              <a:ext uri="{FF2B5EF4-FFF2-40B4-BE49-F238E27FC236}">
+                <a16:creationId xmlns:a16="http://schemas.microsoft.com/office/drawing/2014/main" id="{920DD7CC-4227-27D0-2B7A-B2C7A93433C3}"/>
+              </a:ext>
+            </a:extLst>
+          </p:cNvPr>
+          <p:cNvPicPr>
+            <a:picLocks/>
+          </p:cNvPicPr>
+          <p:nvPr/>
+        </p:nvPicPr>
+        <p:blipFill rotWithShape="1">
+          <a:blip r:embed="rId3"/>
+          <a:srcRect l="22611" t="423" r="35543" b="-423"/>
+          <a:stretch/>
+        </p:blipFill>
+        <p:spPr>
+          <a:xfrm>
+            <a:off x="2859414" y="-117660"/>
+            <a:ext cx="6352918" cy="6352918"/>
+          </a:xfrm>
+          <a:prstGeom prst="rect">
+            <a:avLst/>
+          </a:prstGeom>
+        </p:spPr>
+      </p:pic>
     </p:spTree>
     <p:extLst>
       <p:ext uri="{BB962C8B-B14F-4D97-AF65-F5344CB8AC3E}">
         <p14:creationId xmlns:p14="http://schemas.microsoft.com/office/powerpoint/2010/main" val="1533049533"/>
+      </p:ext>
+    </p:extLst>
+  </p:cSld>
+  <p:clrMapOvr>
+    <a:masterClrMapping/>
+  </p:clrMapOvr>
+</p:sld>
+</file>
+
+<file path=ppt/slides/slide2.xml><?xml version="1.0" encoding="utf-8"?>
+<p:sld xmlns:a="http://schemas.openxmlformats.org/drawingml/2006/main" xmlns:r="http://schemas.openxmlformats.org/officeDocument/2006/relationships" xmlns:p="http://schemas.openxmlformats.org/presentationml/2006/main">
+  <p:cSld>
+    <p:spTree>
+      <p:nvGrpSpPr>
+        <p:cNvPr id="1" name=""/>
+        <p:cNvGrpSpPr/>
+        <p:nvPr/>
+      </p:nvGrpSpPr>
+      <p:grpSpPr>
+        <a:xfrm>
+          <a:off x="0" y="0"/>
+          <a:ext cx="0" cy="0"/>
+          <a:chOff x="0" y="0"/>
+          <a:chExt cx="0" cy="0"/>
+        </a:xfrm>
+      </p:grpSpPr>
+      <p:pic>
+        <p:nvPicPr>
+          <p:cNvPr id="5" name="Content Placeholder 4">
+            <a:extLst>
+              <a:ext uri="{FF2B5EF4-FFF2-40B4-BE49-F238E27FC236}">
+                <a16:creationId xmlns:a16="http://schemas.microsoft.com/office/drawing/2014/main" id="{8B04A19D-5551-5E25-A2E3-792D3CB76F2A}"/>
+              </a:ext>
+            </a:extLst>
+          </p:cNvPr>
+          <p:cNvPicPr>
+            <a:picLocks noGrp="1" noChangeAspect="1"/>
+          </p:cNvPicPr>
+          <p:nvPr>
+            <p:ph idx="1"/>
+          </p:nvPr>
+        </p:nvPicPr>
+        <p:blipFill rotWithShape="1">
+          <a:blip r:embed="rId2"/>
+          <a:srcRect r="59547" b="81415"/>
+          <a:stretch/>
+        </p:blipFill>
+        <p:spPr>
+          <a:xfrm>
+            <a:off x="0" y="2651914"/>
+            <a:ext cx="4267931" cy="2771548"/>
+          </a:xfrm>
+        </p:spPr>
+      </p:pic>
+      <p:pic>
+        <p:nvPicPr>
+          <p:cNvPr id="7" name="Picture 6">
+            <a:extLst>
+              <a:ext uri="{FF2B5EF4-FFF2-40B4-BE49-F238E27FC236}">
+                <a16:creationId xmlns:a16="http://schemas.microsoft.com/office/drawing/2014/main" id="{E3144C75-3DBF-AAFE-DA6E-C23C2ABB865E}"/>
+              </a:ext>
+            </a:extLst>
+          </p:cNvPr>
+          <p:cNvPicPr>
+            <a:picLocks noChangeAspect="1"/>
+          </p:cNvPicPr>
+          <p:nvPr/>
+        </p:nvPicPr>
+        <p:blipFill rotWithShape="1">
+          <a:blip r:embed="rId3"/>
+          <a:srcRect r="59199" b="82063"/>
+          <a:stretch/>
+        </p:blipFill>
+        <p:spPr>
+          <a:xfrm>
+            <a:off x="0" y="0"/>
+            <a:ext cx="4267931" cy="2651914"/>
+          </a:xfrm>
+          <a:prstGeom prst="rect">
+            <a:avLst/>
+          </a:prstGeom>
+        </p:spPr>
+      </p:pic>
+    </p:spTree>
+    <p:extLst>
+      <p:ext uri="{BB962C8B-B14F-4D97-AF65-F5344CB8AC3E}">
+        <p14:creationId xmlns:p14="http://schemas.microsoft.com/office/powerpoint/2010/main" val="2494793370"/>
       </p:ext>
     </p:extLst>
   </p:cSld>
